--- a/Team A3 CE101 - Predicting Housing Prices.pptx
+++ b/Team A3 CE101 - Predicting Housing Prices.pptx
@@ -106,6 +106,11 @@
       </a:defRPr>
     </a:lvl9pPr>
   </p:defaultTextStyle>
+  <p:extLst>
+    <p:ext uri="{EFAFB233-063F-42B5-8137-9DF3F51BA10A}">
+      <p15:sldGuideLst xmlns:p15="http://schemas.microsoft.com/office/powerpoint/2012/main"/>
+    </p:ext>
+  </p:extLst>
 </p:presentation>
 </file>
 
@@ -6063,13 +6068,20 @@
             <p:ph idx="1"/>
           </p:nvPr>
         </p:nvSpPr>
-        <p:spPr/>
-        <p:txBody>
-          <a:bodyPr/>
-          <a:lstStyle/>
-          <a:p>
-            <a:r>
-              <a:rPr lang="en-GB" smtClean="0"/>
+        <p:spPr>
+          <a:xfrm>
+            <a:off x="677334" y="2160589"/>
+            <a:ext cx="8596668" cy="4315367"/>
+          </a:xfrm>
+        </p:spPr>
+        <p:txBody>
+          <a:bodyPr>
+            <a:normAutofit fontScale="92500" lnSpcReduction="10000"/>
+          </a:bodyPr>
+          <a:lstStyle/>
+          <a:p>
+            <a:r>
+              <a:rPr lang="en-GB" dirty="0" smtClean="0"/>
               <a:t>Steven – </a:t>
             </a:r>
             <a:endParaRPr lang="en-GB" dirty="0"/>
@@ -6102,7 +6114,50 @@
           <a:p>
             <a:r>
               <a:rPr lang="en-GB" dirty="0" smtClean="0"/>
-              <a:t>Kevin - </a:t>
+              <a:t>Kevin </a:t>
+            </a:r>
+            <a:r>
+              <a:rPr lang="en-GB" dirty="0" smtClean="0"/>
+              <a:t>– </a:t>
+            </a:r>
+          </a:p>
+          <a:p>
+            <a:endParaRPr lang="en-GB" dirty="0"/>
+          </a:p>
+          <a:p>
+            <a:r>
+              <a:rPr lang="en-GB" dirty="0" smtClean="0"/>
+              <a:t>Things to assign: </a:t>
+            </a:r>
+          </a:p>
+          <a:p>
+            <a:r>
+              <a:rPr lang="en-GB" dirty="0" smtClean="0"/>
+              <a:t>Graphs (Exploratory Data Analysis, EDA)</a:t>
+            </a:r>
+          </a:p>
+          <a:p>
+            <a:r>
+              <a:rPr lang="en-GB" dirty="0" smtClean="0"/>
+              <a:t>Handling Missing Data</a:t>
+            </a:r>
+          </a:p>
+          <a:p>
+            <a:r>
+              <a:rPr lang="en-GB" dirty="0" smtClean="0"/>
+              <a:t>Handling Skewed Features</a:t>
+            </a:r>
+          </a:p>
+          <a:p>
+            <a:r>
+              <a:rPr lang="en-GB" dirty="0" smtClean="0"/>
+              <a:t>Dummy Features + Feature Transformation</a:t>
+            </a:r>
+          </a:p>
+          <a:p>
+            <a:r>
+              <a:rPr lang="en-GB" dirty="0" smtClean="0"/>
+              <a:t>Linear Regression Models + Cross-Validation</a:t>
             </a:r>
             <a:endParaRPr lang="en-GB" dirty="0"/>
           </a:p>
